--- a/powerpoint/Session2.pptx
+++ b/powerpoint/Session2.pptx
@@ -128,6 +128,11 @@
       </a:defRPr>
     </a:lvl9pPr>
   </p:defaultTextStyle>
+  <p:extLst>
+    <p:ext uri="{EFAFB233-063F-42B5-8137-9DF3F51BA10A}">
+      <p15:sldGuideLst xmlns:p15="http://schemas.microsoft.com/office/powerpoint/2012/main"/>
+    </p:ext>
+  </p:extLst>
 </p:presentation>
 </file>
 
@@ -11863,7 +11868,7 @@
         </p:style>
         <p:txBody>
           <a:bodyPr lIns="90000" tIns="45000" rIns="90000" bIns="45000" anchor="ctr">
-            <a:normAutofit fontScale="73000" lnSpcReduction="10000"/>
+            <a:normAutofit fontScale="80500" lnSpcReduction="20000"/>
           </a:bodyPr>
           <a:lstStyle/>
           <a:p>
@@ -11959,7 +11964,7 @@
               </a:tabLst>
             </a:pPr>
             <a:r>
-              <a:rPr lang="en-US" sz="3200" b="0" strike="noStrike" spc="-1">
+              <a:rPr lang="en-US" sz="3200" b="0" strike="noStrike" spc="-1" dirty="0">
                 <a:solidFill>
                   <a:srgbClr val="8B8B8B"/>
                 </a:solidFill>
@@ -11968,7 +11973,7 @@
               </a:rPr>
               <a:t>Irina &amp; Rao</a:t>
             </a:r>
-            <a:endParaRPr lang="en-GB" sz="3200" b="0" strike="noStrike" spc="-1">
+            <a:endParaRPr lang="en-GB" sz="3200" b="0" strike="noStrike" spc="-1" dirty="0">
               <a:latin typeface="Arial"/>
             </a:endParaRPr>
           </a:p>
@@ -11985,16 +11990,16 @@
               </a:tabLst>
             </a:pPr>
             <a:r>
-              <a:rPr lang="en-US" sz="3200" b="0" strike="noStrike" spc="-1">
+              <a:rPr lang="en-US" sz="3200" b="0" strike="noStrike" spc="-1" dirty="0">
                 <a:solidFill>
                   <a:srgbClr val="8B8B8B"/>
                 </a:solidFill>
                 <a:latin typeface="Calibri"/>
                 <a:ea typeface="DejaVu Sans"/>
               </a:rPr>
-              <a:t>Hilary 2022</a:t>
-            </a:r>
-            <a:endParaRPr lang="en-GB" sz="3200" b="0" strike="noStrike" spc="-1">
+              <a:t>Trinity 2022</a:t>
+            </a:r>
+            <a:endParaRPr lang="en-GB" sz="3200" b="0" strike="noStrike" spc="-1" dirty="0">
               <a:latin typeface="Arial"/>
             </a:endParaRPr>
           </a:p>
@@ -17094,47 +17099,6 @@
               </a:rPr>
               <a:t>Advanced R course for data analysis and visualisation</a:t>
             </a:r>
-            <a:r>
-              <a:rPr lang="en-GB" sz="2180" b="1" spc="-1" dirty="0">
-                <a:solidFill>
-                  <a:srgbClr val="000000"/>
-                </a:solidFill>
-                <a:latin typeface="Calibri"/>
-                <a:ea typeface="DejaVu Sans"/>
-                <a:hlinkClick r:id="rId6"/>
-              </a:rPr>
-              <a:t> </a:t>
-            </a:r>
-            <a:r>
-              <a:rPr lang="en-GB" sz="2180" b="1" spc="-1" dirty="0">
-                <a:solidFill>
-                  <a:srgbClr val="000000"/>
-                </a:solidFill>
-                <a:latin typeface="Calibri"/>
-                <a:ea typeface="DejaVu Sans"/>
-              </a:rPr>
-              <a:t>(registration open 2</a:t>
-            </a:r>
-            <a:r>
-              <a:rPr lang="en-GB" sz="2180" b="1" spc="-1" baseline="30000" dirty="0">
-                <a:solidFill>
-                  <a:srgbClr val="000000"/>
-                </a:solidFill>
-                <a:latin typeface="Calibri"/>
-                <a:ea typeface="DejaVu Sans"/>
-              </a:rPr>
-              <a:t>nd</a:t>
-            </a:r>
-            <a:r>
-              <a:rPr lang="en-GB" sz="2180" b="1" spc="-1" dirty="0">
-                <a:solidFill>
-                  <a:srgbClr val="000000"/>
-                </a:solidFill>
-                <a:latin typeface="Calibri"/>
-                <a:ea typeface="DejaVu Sans"/>
-              </a:rPr>
-              <a:t> Feb)</a:t>
-            </a:r>
             <a:endParaRPr lang="en-GB" sz="2180" b="0" strike="noStrike" spc="-1" dirty="0">
               <a:latin typeface="Arial"/>
             </a:endParaRPr>
@@ -18137,7 +18101,7 @@
         </p:style>
         <p:txBody>
           <a:bodyPr lIns="90000" tIns="45000" rIns="90000" bIns="45000">
-            <a:normAutofit fontScale="74000" lnSpcReduction="10000"/>
+            <a:normAutofit fontScale="81500" lnSpcReduction="20000"/>
           </a:bodyPr>
           <a:lstStyle/>
           <a:p>

--- a/powerpoint/Session2.pptx
+++ b/powerpoint/Session2.pptx
@@ -11990,14 +11990,24 @@
               </a:tabLst>
             </a:pPr>
             <a:r>
-              <a:rPr lang="en-US" sz="3200" b="0" strike="noStrike" spc="-1" dirty="0">
+              <a:rPr lang="en-US" sz="3200" b="0" strike="noStrike" spc="-1">
                 <a:solidFill>
                   <a:srgbClr val="8B8B8B"/>
                 </a:solidFill>
                 <a:latin typeface="Calibri"/>
                 <a:ea typeface="DejaVu Sans"/>
               </a:rPr>
-              <a:t>Trinity 2022</a:t>
+              <a:t>Trinity </a:t>
+            </a:r>
+            <a:r>
+              <a:rPr lang="en-US" sz="3200" b="0" strike="noStrike" spc="-1" dirty="0">
+                <a:solidFill>
+                  <a:srgbClr val="8B8B8B"/>
+                </a:solidFill>
+                <a:latin typeface="Calibri"/>
+                <a:ea typeface="DejaVu Sans"/>
+              </a:rPr>
+              <a:t>2022</a:t>
             </a:r>
             <a:endParaRPr lang="en-GB" sz="3200" b="0" strike="noStrike" spc="-1" dirty="0">
               <a:latin typeface="Arial"/>
@@ -17098,6 +17108,47 @@
                 <a:hlinkClick r:id="rId6"/>
               </a:rPr>
               <a:t>Advanced R course for data analysis and visualisation</a:t>
+            </a:r>
+            <a:r>
+              <a:rPr lang="en-GB" sz="2180" b="1" spc="-1" dirty="0">
+                <a:solidFill>
+                  <a:srgbClr val="000000"/>
+                </a:solidFill>
+                <a:latin typeface="Calibri"/>
+                <a:ea typeface="DejaVu Sans"/>
+                <a:hlinkClick r:id="rId6"/>
+              </a:rPr>
+              <a:t> </a:t>
+            </a:r>
+            <a:r>
+              <a:rPr lang="en-GB" sz="2180" b="1" spc="-1" dirty="0">
+                <a:solidFill>
+                  <a:srgbClr val="000000"/>
+                </a:solidFill>
+                <a:latin typeface="Calibri"/>
+                <a:ea typeface="DejaVu Sans"/>
+              </a:rPr>
+              <a:t>(registration open now, starts 18</a:t>
+            </a:r>
+            <a:r>
+              <a:rPr lang="en-GB" sz="2180" b="1" spc="-1" baseline="30000" dirty="0">
+                <a:solidFill>
+                  <a:srgbClr val="000000"/>
+                </a:solidFill>
+                <a:latin typeface="Calibri"/>
+                <a:ea typeface="DejaVu Sans"/>
+              </a:rPr>
+              <a:t>th</a:t>
+            </a:r>
+            <a:r>
+              <a:rPr lang="en-GB" sz="2180" b="1" spc="-1" dirty="0">
+                <a:solidFill>
+                  <a:srgbClr val="000000"/>
+                </a:solidFill>
+                <a:latin typeface="Calibri"/>
+                <a:ea typeface="DejaVu Sans"/>
+              </a:rPr>
+              <a:t> May)</a:t>
             </a:r>
             <a:endParaRPr lang="en-GB" sz="2180" b="0" strike="noStrike" spc="-1" dirty="0">
               <a:latin typeface="Arial"/>
